--- a/Figures/Old/bigscatterfigurewlegend.pptx
+++ b/Figures/Old/bigscatterfigurewlegend.pptx
@@ -5,7 +5,7 @@
     <p:sldMasterId id="2147483648" r:id="rId1"/>
   </p:sldMasterIdLst>
   <p:notesMasterIdLst>
-    <p:notesMasterId r:id="rId10"/>
+    <p:notesMasterId r:id="rId11"/>
   </p:notesMasterIdLst>
   <p:sldIdLst>
     <p:sldId id="256" r:id="rId2"/>
@@ -16,6 +16,7 @@
     <p:sldId id="261" r:id="rId7"/>
     <p:sldId id="262" r:id="rId8"/>
     <p:sldId id="263" r:id="rId9"/>
+    <p:sldId id="264" r:id="rId10"/>
   </p:sldIdLst>
   <p:sldSz cx="12192000" cy="6858000"/>
   <p:notesSz cx="6858000" cy="9144000"/>
@@ -204,7 +205,7 @@
           <a:p>
             <a:fld id="{329F1EF9-E4D3-0842-AB3E-594B1CCD105E}" type="datetimeFigureOut">
               <a:rPr lang="en-US" smtClean="0"/>
-              <a:t>11/17/23</a:t>
+              <a:t>1/19/24</a:t>
             </a:fld>
             <a:endParaRPr lang="en-US"/>
           </a:p>
@@ -789,7 +790,7 @@
           <a:p>
             <a:fld id="{FC33EB38-C285-A243-8651-580919D55E22}" type="datetimeFigureOut">
               <a:rPr lang="en-US" smtClean="0"/>
-              <a:t>11/17/23</a:t>
+              <a:t>1/19/24</a:t>
             </a:fld>
             <a:endParaRPr lang="en-US"/>
           </a:p>
@@ -989,7 +990,7 @@
           <a:p>
             <a:fld id="{FC33EB38-C285-A243-8651-580919D55E22}" type="datetimeFigureOut">
               <a:rPr lang="en-US" smtClean="0"/>
-              <a:t>11/17/23</a:t>
+              <a:t>1/19/24</a:t>
             </a:fld>
             <a:endParaRPr lang="en-US"/>
           </a:p>
@@ -1199,7 +1200,7 @@
           <a:p>
             <a:fld id="{FC33EB38-C285-A243-8651-580919D55E22}" type="datetimeFigureOut">
               <a:rPr lang="en-US" smtClean="0"/>
-              <a:t>11/17/23</a:t>
+              <a:t>1/19/24</a:t>
             </a:fld>
             <a:endParaRPr lang="en-US"/>
           </a:p>
@@ -1399,7 +1400,7 @@
           <a:p>
             <a:fld id="{FC33EB38-C285-A243-8651-580919D55E22}" type="datetimeFigureOut">
               <a:rPr lang="en-US" smtClean="0"/>
-              <a:t>11/17/23</a:t>
+              <a:t>1/19/24</a:t>
             </a:fld>
             <a:endParaRPr lang="en-US"/>
           </a:p>
@@ -1675,7 +1676,7 @@
           <a:p>
             <a:fld id="{FC33EB38-C285-A243-8651-580919D55E22}" type="datetimeFigureOut">
               <a:rPr lang="en-US" smtClean="0"/>
-              <a:t>11/17/23</a:t>
+              <a:t>1/19/24</a:t>
             </a:fld>
             <a:endParaRPr lang="en-US"/>
           </a:p>
@@ -1943,7 +1944,7 @@
           <a:p>
             <a:fld id="{FC33EB38-C285-A243-8651-580919D55E22}" type="datetimeFigureOut">
               <a:rPr lang="en-US" smtClean="0"/>
-              <a:t>11/17/23</a:t>
+              <a:t>1/19/24</a:t>
             </a:fld>
             <a:endParaRPr lang="en-US"/>
           </a:p>
@@ -2358,7 +2359,7 @@
           <a:p>
             <a:fld id="{FC33EB38-C285-A243-8651-580919D55E22}" type="datetimeFigureOut">
               <a:rPr lang="en-US" smtClean="0"/>
-              <a:t>11/17/23</a:t>
+              <a:t>1/19/24</a:t>
             </a:fld>
             <a:endParaRPr lang="en-US"/>
           </a:p>
@@ -2500,7 +2501,7 @@
           <a:p>
             <a:fld id="{FC33EB38-C285-A243-8651-580919D55E22}" type="datetimeFigureOut">
               <a:rPr lang="en-US" smtClean="0"/>
-              <a:t>11/17/23</a:t>
+              <a:t>1/19/24</a:t>
             </a:fld>
             <a:endParaRPr lang="en-US"/>
           </a:p>
@@ -2613,7 +2614,7 @@
           <a:p>
             <a:fld id="{FC33EB38-C285-A243-8651-580919D55E22}" type="datetimeFigureOut">
               <a:rPr lang="en-US" smtClean="0"/>
-              <a:t>11/17/23</a:t>
+              <a:t>1/19/24</a:t>
             </a:fld>
             <a:endParaRPr lang="en-US"/>
           </a:p>
@@ -2926,7 +2927,7 @@
           <a:p>
             <a:fld id="{FC33EB38-C285-A243-8651-580919D55E22}" type="datetimeFigureOut">
               <a:rPr lang="en-US" smtClean="0"/>
-              <a:t>11/17/23</a:t>
+              <a:t>1/19/24</a:t>
             </a:fld>
             <a:endParaRPr lang="en-US"/>
           </a:p>
@@ -3215,7 +3216,7 @@
           <a:p>
             <a:fld id="{FC33EB38-C285-A243-8651-580919D55E22}" type="datetimeFigureOut">
               <a:rPr lang="en-US" smtClean="0"/>
-              <a:t>11/17/23</a:t>
+              <a:t>1/19/24</a:t>
             </a:fld>
             <a:endParaRPr lang="en-US"/>
           </a:p>
@@ -3458,7 +3459,7 @@
           <a:p>
             <a:fld id="{FC33EB38-C285-A243-8651-580919D55E22}" type="datetimeFigureOut">
               <a:rPr lang="en-US" smtClean="0"/>
-              <a:t>11/17/23</a:t>
+              <a:t>1/19/24</a:t>
             </a:fld>
             <a:endParaRPr lang="en-US"/>
           </a:p>
@@ -4555,10 +4556,10 @@
       </p:grpSpPr>
       <p:grpSp>
         <p:nvGrpSpPr>
-          <p:cNvPr id="16" name="Group 15">
+          <p:cNvPr id="12" name="Group 11">
             <a:extLst>
               <a:ext uri="{FF2B5EF4-FFF2-40B4-BE49-F238E27FC236}">
-                <a16:creationId xmlns:a16="http://schemas.microsoft.com/office/drawing/2014/main" id="{33F5D9AE-1B77-FC2D-962B-0E1E6A84A63D}"/>
+                <a16:creationId xmlns:a16="http://schemas.microsoft.com/office/drawing/2014/main" id="{2C451608-C197-898E-1962-9EAF7250DAFB}"/>
               </a:ext>
             </a:extLst>
           </p:cNvPr>
@@ -4567,18 +4568,18 @@
         </p:nvGrpSpPr>
         <p:grpSpPr>
           <a:xfrm>
-            <a:off x="3328983" y="139338"/>
+            <a:off x="3328983" y="278676"/>
             <a:ext cx="6083870" cy="6579324"/>
-            <a:chOff x="3320274" y="139338"/>
+            <a:chOff x="3328983" y="278676"/>
             <a:chExt cx="6083870" cy="6579324"/>
           </a:xfrm>
         </p:grpSpPr>
         <p:grpSp>
           <p:nvGrpSpPr>
-            <p:cNvPr id="14" name="Group 13">
+            <p:cNvPr id="16" name="Group 15">
               <a:extLst>
                 <a:ext uri="{FF2B5EF4-FFF2-40B4-BE49-F238E27FC236}">
-                  <a16:creationId xmlns:a16="http://schemas.microsoft.com/office/drawing/2014/main" id="{CEE1A301-05C4-D396-4F85-CC8ED6652DB6}"/>
+                  <a16:creationId xmlns:a16="http://schemas.microsoft.com/office/drawing/2014/main" id="{33F5D9AE-1B77-FC2D-962B-0E1E6A84A63D}"/>
                 </a:ext>
               </a:extLst>
             </p:cNvPr>
@@ -4587,7 +4588,7 @@
           </p:nvGrpSpPr>
           <p:grpSpPr>
             <a:xfrm>
-              <a:off x="3320274" y="139338"/>
+              <a:off x="3328983" y="278676"/>
               <a:ext cx="6083870" cy="6579324"/>
               <a:chOff x="3320274" y="139338"/>
               <a:chExt cx="6083870" cy="6579324"/>
@@ -4595,10 +4596,10 @@
           </p:grpSpPr>
           <p:grpSp>
             <p:nvGrpSpPr>
-              <p:cNvPr id="10" name="Group 9">
+              <p:cNvPr id="14" name="Group 13">
                 <a:extLst>
                   <a:ext uri="{FF2B5EF4-FFF2-40B4-BE49-F238E27FC236}">
-                    <a16:creationId xmlns:a16="http://schemas.microsoft.com/office/drawing/2014/main" id="{3E0D2375-0BE3-9897-49B0-AFC709EAF992}"/>
+                    <a16:creationId xmlns:a16="http://schemas.microsoft.com/office/drawing/2014/main" id="{CEE1A301-05C4-D396-4F85-CC8ED6652DB6}"/>
                   </a:ext>
                 </a:extLst>
               </p:cNvPr>
@@ -4607,18 +4608,152 @@
             </p:nvGrpSpPr>
             <p:grpSpPr>
               <a:xfrm>
-                <a:off x="3320274" y="607415"/>
-                <a:ext cx="5920114" cy="6111247"/>
-                <a:chOff x="3320274" y="607415"/>
-                <a:chExt cx="5920114" cy="6111247"/>
+                <a:off x="3320274" y="139338"/>
+                <a:ext cx="6083870" cy="6579324"/>
+                <a:chOff x="3320274" y="139338"/>
+                <a:chExt cx="6083870" cy="6579324"/>
               </a:xfrm>
             </p:grpSpPr>
+            <p:grpSp>
+              <p:nvGrpSpPr>
+                <p:cNvPr id="10" name="Group 9">
+                  <a:extLst>
+                    <a:ext uri="{FF2B5EF4-FFF2-40B4-BE49-F238E27FC236}">
+                      <a16:creationId xmlns:a16="http://schemas.microsoft.com/office/drawing/2014/main" id="{3E0D2375-0BE3-9897-49B0-AFC709EAF992}"/>
+                    </a:ext>
+                  </a:extLst>
+                </p:cNvPr>
+                <p:cNvGrpSpPr/>
+                <p:nvPr/>
+              </p:nvGrpSpPr>
+              <p:grpSpPr>
+                <a:xfrm>
+                  <a:off x="3320274" y="1456840"/>
+                  <a:ext cx="5760182" cy="5261822"/>
+                  <a:chOff x="3320274" y="1456840"/>
+                  <a:chExt cx="5760182" cy="5261822"/>
+                </a:xfrm>
+              </p:grpSpPr>
+              <p:pic>
+                <p:nvPicPr>
+                  <p:cNvPr id="7" name="Picture 6" descr="A close-up of several graphs&#10;&#10;Description automatically generated">
+                    <a:extLst>
+                      <a:ext uri="{FF2B5EF4-FFF2-40B4-BE49-F238E27FC236}">
+                        <a16:creationId xmlns:a16="http://schemas.microsoft.com/office/drawing/2014/main" id="{E89A8B68-24BF-C3D3-4BB0-F306C8762683}"/>
+                      </a:ext>
+                    </a:extLst>
+                  </p:cNvPr>
+                  <p:cNvPicPr>
+                    <a:picLocks noChangeAspect="1"/>
+                  </p:cNvPicPr>
+                  <p:nvPr/>
+                </p:nvPicPr>
+                <p:blipFill rotWithShape="1">
+                  <a:blip r:embed="rId2"/>
+                  <a:srcRect t="72083" r="91243" b="6643"/>
+                  <a:stretch/>
+                </p:blipFill>
+                <p:spPr>
+                  <a:xfrm>
+                    <a:off x="8534397" y="4862208"/>
+                    <a:ext cx="546059" cy="691662"/>
+                  </a:xfrm>
+                  <a:prstGeom prst="rect">
+                    <a:avLst/>
+                  </a:prstGeom>
+                </p:spPr>
+              </p:pic>
+              <p:sp>
+                <p:nvSpPr>
+                  <p:cNvPr id="8" name="TextBox 7">
+                    <a:extLst>
+                      <a:ext uri="{FF2B5EF4-FFF2-40B4-BE49-F238E27FC236}">
+                        <a16:creationId xmlns:a16="http://schemas.microsoft.com/office/drawing/2014/main" id="{8162708D-F6D7-3A71-08F8-B9F2826E840D}"/>
+                      </a:ext>
+                    </a:extLst>
+                  </p:cNvPr>
+                  <p:cNvSpPr txBox="1"/>
+                  <p:nvPr/>
+                </p:nvSpPr>
+                <p:spPr>
+                  <a:xfrm>
+                    <a:off x="5039948" y="6380108"/>
+                    <a:ext cx="2937753" cy="338554"/>
+                  </a:xfrm>
+                  <a:prstGeom prst="rect">
+                    <a:avLst/>
+                  </a:prstGeom>
+                  <a:noFill/>
+                </p:spPr>
+                <p:txBody>
+                  <a:bodyPr wrap="square" rtlCol="0">
+                    <a:spAutoFit/>
+                  </a:bodyPr>
+                  <a:lstStyle/>
+                  <a:p>
+                    <a:r>
+                      <a:rPr lang="en-US" sz="1600" dirty="0"/>
+                      <a:t>Absolute latitude (Degrees)</a:t>
+                    </a:r>
+                  </a:p>
+                </p:txBody>
+              </p:sp>
+              <p:sp>
+                <p:nvSpPr>
+                  <p:cNvPr id="9" name="TextBox 8">
+                    <a:extLst>
+                      <a:ext uri="{FF2B5EF4-FFF2-40B4-BE49-F238E27FC236}">
+                        <a16:creationId xmlns:a16="http://schemas.microsoft.com/office/drawing/2014/main" id="{22D831F1-C8E6-13EA-85BB-49428B376DBB}"/>
+                      </a:ext>
+                    </a:extLst>
+                  </p:cNvPr>
+                  <p:cNvSpPr txBox="1"/>
+                  <p:nvPr/>
+                </p:nvSpPr>
+                <p:spPr>
+                  <a:xfrm rot="16200000">
+                    <a:off x="2020674" y="2756440"/>
+                    <a:ext cx="2937753" cy="338554"/>
+                  </a:xfrm>
+                  <a:prstGeom prst="rect">
+                    <a:avLst/>
+                  </a:prstGeom>
+                  <a:noFill/>
+                </p:spPr>
+                <p:txBody>
+                  <a:bodyPr wrap="square" rtlCol="0">
+                    <a:spAutoFit/>
+                  </a:bodyPr>
+                  <a:lstStyle/>
+                  <a:p>
+                    <a:r>
+                      <a:rPr lang="en-US" sz="1600" dirty="0"/>
+                      <a:t>Mean temperature (</a:t>
+                    </a:r>
+                    <a:r>
+                      <a:rPr lang="en-AU" sz="1600" b="0" i="0" dirty="0">
+                        <a:solidFill>
+                          <a:srgbClr val="040C28"/>
+                        </a:solidFill>
+                        <a:effectLst/>
+                        <a:latin typeface="Google Sans"/>
+                      </a:rPr>
+                      <a:t>°C</a:t>
+                    </a:r>
+                    <a:r>
+                      <a:rPr lang="en-US" sz="1600" dirty="0"/>
+                      <a:t>)</a:t>
+                    </a:r>
+                  </a:p>
+                </p:txBody>
+              </p:sp>
+            </p:grpSp>
             <p:pic>
               <p:nvPicPr>
-                <p:cNvPr id="5" name="Picture 4" descr="A close-up of several graphs&#10;&#10;Description automatically generated">
+                <p:cNvPr id="3" name="Picture 2" descr="A close-up of a graph&#10;&#10;Description automatically generated">
                   <a:extLst>
                     <a:ext uri="{FF2B5EF4-FFF2-40B4-BE49-F238E27FC236}">
-                      <a16:creationId xmlns:a16="http://schemas.microsoft.com/office/drawing/2014/main" id="{76D14DBD-D348-7DFE-5043-308CF2BD93A5}"/>
+                      <a16:creationId xmlns:a16="http://schemas.microsoft.com/office/drawing/2014/main" id="{E8E44547-2422-B9C3-286F-F13E5CF3CA12}"/>
                     </a:ext>
                   </a:extLst>
                 </p:cNvPr>
@@ -4628,14 +4763,14 @@
                 <p:nvPr/>
               </p:nvPicPr>
               <p:blipFill rotWithShape="1">
-                <a:blip r:embed="rId2"/>
-                <a:srcRect r="88987" b="67941"/>
+                <a:blip r:embed="rId3"/>
+                <a:srcRect l="2795" t="-1035" r="-729" b="3210"/>
                 <a:stretch/>
               </p:blipFill>
               <p:spPr>
                 <a:xfrm>
-                  <a:off x="8553651" y="607415"/>
-                  <a:ext cx="686737" cy="1042297"/>
+                  <a:off x="3658828" y="139338"/>
+                  <a:ext cx="4927823" cy="6240770"/>
                 </a:xfrm>
                 <a:prstGeom prst="rect">
                   <a:avLst/>
@@ -4644,10 +4779,10 @@
             </p:pic>
             <p:pic>
               <p:nvPicPr>
-                <p:cNvPr id="7" name="Picture 6" descr="A close-up of several graphs&#10;&#10;Description automatically generated">
+                <p:cNvPr id="11" name="Picture 10" descr="A graph of different colored lines&#10;&#10;Description automatically generated">
                   <a:extLst>
                     <a:ext uri="{FF2B5EF4-FFF2-40B4-BE49-F238E27FC236}">
-                      <a16:creationId xmlns:a16="http://schemas.microsoft.com/office/drawing/2014/main" id="{E89A8B68-24BF-C3D3-4BB0-F306C8762683}"/>
+                      <a16:creationId xmlns:a16="http://schemas.microsoft.com/office/drawing/2014/main" id="{3E77747C-B7A3-BDFB-5CD6-FB04EEBC5E99}"/>
                     </a:ext>
                   </a:extLst>
                 </p:cNvPr>
@@ -4657,111 +4792,27 @@
                 <p:nvPr/>
               </p:nvPicPr>
               <p:blipFill rotWithShape="1">
-                <a:blip r:embed="rId2"/>
-                <a:srcRect t="72083" r="91243" b="6643"/>
+                <a:blip r:embed="rId4"/>
+                <a:srcRect l="80925" t="38622" b="36101"/>
                 <a:stretch/>
               </p:blipFill>
               <p:spPr>
                 <a:xfrm>
-                  <a:off x="8534397" y="4862208"/>
-                  <a:ext cx="546059" cy="691662"/>
+                  <a:off x="8551390" y="2846657"/>
+                  <a:ext cx="852754" cy="818606"/>
                 </a:xfrm>
                 <a:prstGeom prst="rect">
                   <a:avLst/>
                 </a:prstGeom>
               </p:spPr>
             </p:pic>
-            <p:sp>
-              <p:nvSpPr>
-                <p:cNvPr id="8" name="TextBox 7">
-                  <a:extLst>
-                    <a:ext uri="{FF2B5EF4-FFF2-40B4-BE49-F238E27FC236}">
-                      <a16:creationId xmlns:a16="http://schemas.microsoft.com/office/drawing/2014/main" id="{8162708D-F6D7-3A71-08F8-B9F2826E840D}"/>
-                    </a:ext>
-                  </a:extLst>
-                </p:cNvPr>
-                <p:cNvSpPr txBox="1"/>
-                <p:nvPr/>
-              </p:nvSpPr>
-              <p:spPr>
-                <a:xfrm>
-                  <a:off x="5039948" y="6380108"/>
-                  <a:ext cx="2937753" cy="338554"/>
-                </a:xfrm>
-                <a:prstGeom prst="rect">
-                  <a:avLst/>
-                </a:prstGeom>
-                <a:noFill/>
-              </p:spPr>
-              <p:txBody>
-                <a:bodyPr wrap="square" rtlCol="0">
-                  <a:spAutoFit/>
-                </a:bodyPr>
-                <a:lstStyle/>
-                <a:p>
-                  <a:r>
-                    <a:rPr lang="en-US" sz="1600" dirty="0"/>
-                    <a:t>Absolute latitude (Degrees)</a:t>
-                  </a:r>
-                </a:p>
-              </p:txBody>
-            </p:sp>
-            <p:sp>
-              <p:nvSpPr>
-                <p:cNvPr id="9" name="TextBox 8">
-                  <a:extLst>
-                    <a:ext uri="{FF2B5EF4-FFF2-40B4-BE49-F238E27FC236}">
-                      <a16:creationId xmlns:a16="http://schemas.microsoft.com/office/drawing/2014/main" id="{22D831F1-C8E6-13EA-85BB-49428B376DBB}"/>
-                    </a:ext>
-                  </a:extLst>
-                </p:cNvPr>
-                <p:cNvSpPr txBox="1"/>
-                <p:nvPr/>
-              </p:nvSpPr>
-              <p:spPr>
-                <a:xfrm rot="16200000">
-                  <a:off x="2020674" y="2756440"/>
-                  <a:ext cx="2937753" cy="338554"/>
-                </a:xfrm>
-                <a:prstGeom prst="rect">
-                  <a:avLst/>
-                </a:prstGeom>
-                <a:noFill/>
-              </p:spPr>
-              <p:txBody>
-                <a:bodyPr wrap="square" rtlCol="0">
-                  <a:spAutoFit/>
-                </a:bodyPr>
-                <a:lstStyle/>
-                <a:p>
-                  <a:r>
-                    <a:rPr lang="en-US" sz="1600" dirty="0"/>
-                    <a:t>Mean temperature (</a:t>
-                  </a:r>
-                  <a:r>
-                    <a:rPr lang="en-AU" sz="1600" b="0" i="0" dirty="0">
-                      <a:solidFill>
-                        <a:srgbClr val="040C28"/>
-                      </a:solidFill>
-                      <a:effectLst/>
-                      <a:latin typeface="Google Sans"/>
-                    </a:rPr>
-                    <a:t>°C</a:t>
-                  </a:r>
-                  <a:r>
-                    <a:rPr lang="en-US" sz="1600" dirty="0"/>
-                    <a:t>)</a:t>
-                  </a:r>
-                </a:p>
-              </p:txBody>
-            </p:sp>
           </p:grpSp>
           <p:pic>
             <p:nvPicPr>
-              <p:cNvPr id="3" name="Picture 2" descr="A close-up of a graph&#10;&#10;Description automatically generated">
+              <p:cNvPr id="15" name="Picture 14" descr="A close-up of a graph&#10;&#10;Description automatically generated">
                 <a:extLst>
                   <a:ext uri="{FF2B5EF4-FFF2-40B4-BE49-F238E27FC236}">
-                    <a16:creationId xmlns:a16="http://schemas.microsoft.com/office/drawing/2014/main" id="{E8E44547-2422-B9C3-286F-F13E5CF3CA12}"/>
+                    <a16:creationId xmlns:a16="http://schemas.microsoft.com/office/drawing/2014/main" id="{4D62E21E-0110-49EE-EA58-2E0DEC021519}"/>
                   </a:ext>
                 </a:extLst>
               </p:cNvPr>
@@ -4772,42 +4823,13 @@
             </p:nvPicPr>
             <p:blipFill rotWithShape="1">
               <a:blip r:embed="rId3"/>
-              <a:srcRect l="2795" t="-1035" r="-729" b="3210"/>
+              <a:srcRect l="3530" t="32888" r="-729" b="34760"/>
               <a:stretch/>
             </p:blipFill>
             <p:spPr>
               <a:xfrm>
-                <a:off x="3658828" y="139338"/>
-                <a:ext cx="4927823" cy="6240770"/>
-              </a:xfrm>
-              <a:prstGeom prst="rect">
-                <a:avLst/>
-              </a:prstGeom>
-            </p:spPr>
-          </p:pic>
-          <p:pic>
-            <p:nvPicPr>
-              <p:cNvPr id="11" name="Picture 10" descr="A graph of different colored lines&#10;&#10;Description automatically generated">
-                <a:extLst>
-                  <a:ext uri="{FF2B5EF4-FFF2-40B4-BE49-F238E27FC236}">
-                    <a16:creationId xmlns:a16="http://schemas.microsoft.com/office/drawing/2014/main" id="{3E77747C-B7A3-BDFB-5CD6-FB04EEBC5E99}"/>
-                  </a:ext>
-                </a:extLst>
-              </p:cNvPr>
-              <p:cNvPicPr>
-                <a:picLocks noChangeAspect="1"/>
-              </p:cNvPicPr>
-              <p:nvPr/>
-            </p:nvPicPr>
-            <p:blipFill rotWithShape="1">
-              <a:blip r:embed="rId4"/>
-              <a:srcRect l="80925" t="38622" b="36101"/>
-              <a:stretch/>
-            </p:blipFill>
-            <p:spPr>
-              <a:xfrm>
-                <a:off x="8551390" y="2846657"/>
-                <a:ext cx="852754" cy="818606"/>
+                <a:off x="3621793" y="2223993"/>
+                <a:ext cx="4968000" cy="2171975"/>
               </a:xfrm>
               <a:prstGeom prst="rect">
                 <a:avLst/>
@@ -4817,10 +4839,10 @@
         </p:grpSp>
         <p:pic>
           <p:nvPicPr>
-            <p:cNvPr id="15" name="Picture 14" descr="A close-up of a graph&#10;&#10;Description automatically generated">
+            <p:cNvPr id="4" name="Picture 3" descr="A graph with different colored lines&#10;&#10;Description automatically generated">
               <a:extLst>
                 <a:ext uri="{FF2B5EF4-FFF2-40B4-BE49-F238E27FC236}">
-                  <a16:creationId xmlns:a16="http://schemas.microsoft.com/office/drawing/2014/main" id="{4D62E21E-0110-49EE-EA58-2E0DEC021519}"/>
+                  <a16:creationId xmlns:a16="http://schemas.microsoft.com/office/drawing/2014/main" id="{7C9F25B0-DB81-31C8-A62C-E7100C7AED42}"/>
                 </a:ext>
               </a:extLst>
             </p:cNvPr>
@@ -4830,14 +4852,14 @@
             <p:nvPr/>
           </p:nvPicPr>
           <p:blipFill rotWithShape="1">
-            <a:blip r:embed="rId3"/>
-            <a:srcRect l="3530" t="32888" r="-729" b="34760"/>
+            <a:blip r:embed="rId5"/>
+            <a:srcRect l="83450" t="29208" b="18513"/>
             <a:stretch/>
           </p:blipFill>
           <p:spPr>
             <a:xfrm>
-              <a:off x="3621793" y="2223993"/>
-              <a:ext cx="4968000" cy="2171975"/>
+              <a:off x="8560099" y="711611"/>
+              <a:ext cx="647375" cy="1268143"/>
             </a:xfrm>
             <a:prstGeom prst="rect">
               <a:avLst/>
@@ -7016,6 +7038,186 @@
 </p:sld>
 </file>
 
+<file path=ppt/slides/slide9.xml><?xml version="1.0" encoding="utf-8"?>
+<p:sld xmlns:a="http://schemas.openxmlformats.org/drawingml/2006/main" xmlns:r="http://schemas.openxmlformats.org/officeDocument/2006/relationships" xmlns:p="http://schemas.openxmlformats.org/presentationml/2006/main">
+  <p:cSld>
+    <p:spTree>
+      <p:nvGrpSpPr>
+        <p:cNvPr id="1" name=""/>
+        <p:cNvGrpSpPr/>
+        <p:nvPr/>
+      </p:nvGrpSpPr>
+      <p:grpSpPr>
+        <a:xfrm>
+          <a:off x="0" y="0"/>
+          <a:ext cx="0" cy="0"/>
+          <a:chOff x="0" y="0"/>
+          <a:chExt cx="0" cy="0"/>
+        </a:xfrm>
+      </p:grpSpPr>
+      <p:grpSp>
+        <p:nvGrpSpPr>
+          <p:cNvPr id="7" name="Group 6">
+            <a:extLst>
+              <a:ext uri="{FF2B5EF4-FFF2-40B4-BE49-F238E27FC236}">
+                <a16:creationId xmlns:a16="http://schemas.microsoft.com/office/drawing/2014/main" id="{4BA1CEAC-B8AD-BE56-9D3F-75B847F784F9}"/>
+              </a:ext>
+            </a:extLst>
+          </p:cNvPr>
+          <p:cNvGrpSpPr/>
+          <p:nvPr/>
+        </p:nvGrpSpPr>
+        <p:grpSpPr>
+          <a:xfrm>
+            <a:off x="737915" y="1031469"/>
+            <a:ext cx="10440389" cy="4007984"/>
+            <a:chOff x="737915" y="1425008"/>
+            <a:chExt cx="10440389" cy="4007984"/>
+          </a:xfrm>
+        </p:grpSpPr>
+        <p:pic>
+          <p:nvPicPr>
+            <p:cNvPr id="4" name="Picture 3">
+              <a:extLst>
+                <a:ext uri="{FF2B5EF4-FFF2-40B4-BE49-F238E27FC236}">
+                  <a16:creationId xmlns:a16="http://schemas.microsoft.com/office/drawing/2014/main" id="{55663746-B740-EEE7-08A4-79D97E18ABBE}"/>
+                </a:ext>
+              </a:extLst>
+            </p:cNvPr>
+            <p:cNvPicPr>
+              <a:picLocks noChangeAspect="1"/>
+            </p:cNvPicPr>
+            <p:nvPr/>
+          </p:nvPicPr>
+          <p:blipFill rotWithShape="1">
+            <a:blip r:embed="rId2">
+              <a:extLst>
+                <a:ext uri="{28A0092B-C50C-407E-A947-70E740481C1C}">
+                  <a14:useLocalDpi xmlns:a14="http://schemas.microsoft.com/office/drawing/2010/main" val="0"/>
+                </a:ext>
+              </a:extLst>
+            </a:blip>
+            <a:srcRect t="19267" b="22606"/>
+            <a:stretch/>
+          </p:blipFill>
+          <p:spPr bwMode="auto">
+            <a:xfrm>
+              <a:off x="737915" y="1425008"/>
+              <a:ext cx="10440389" cy="4007984"/>
+            </a:xfrm>
+            <a:prstGeom prst="rect">
+              <a:avLst/>
+            </a:prstGeom>
+            <a:ln>
+              <a:noFill/>
+            </a:ln>
+            <a:extLst>
+              <a:ext uri="{53640926-AAD7-44D8-BBD7-CCE9431645EC}">
+                <a14:shadowObscured xmlns:a14="http://schemas.microsoft.com/office/drawing/2010/main"/>
+              </a:ext>
+            </a:extLst>
+          </p:spPr>
+        </p:pic>
+        <p:pic>
+          <p:nvPicPr>
+            <p:cNvPr id="5" name="Picture 4">
+              <a:extLst>
+                <a:ext uri="{FF2B5EF4-FFF2-40B4-BE49-F238E27FC236}">
+                  <a16:creationId xmlns:a16="http://schemas.microsoft.com/office/drawing/2014/main" id="{CFEE11D6-D70E-A657-58EC-8213C68E465F}"/>
+                </a:ext>
+              </a:extLst>
+            </p:cNvPr>
+            <p:cNvPicPr>
+              <a:picLocks noChangeAspect="1"/>
+            </p:cNvPicPr>
+            <p:nvPr/>
+          </p:nvPicPr>
+          <p:blipFill rotWithShape="1">
+            <a:blip r:embed="rId2">
+              <a:extLst>
+                <a:ext uri="{28A0092B-C50C-407E-A947-70E740481C1C}">
+                  <a14:useLocalDpi xmlns:a14="http://schemas.microsoft.com/office/drawing/2010/main" val="0"/>
+                </a:ext>
+              </a:extLst>
+            </a:blip>
+            <a:srcRect l="82809" t="46594" b="22606"/>
+            <a:stretch/>
+          </p:blipFill>
+          <p:spPr bwMode="auto">
+            <a:xfrm>
+              <a:off x="9383486" y="1600199"/>
+              <a:ext cx="1794818" cy="2123735"/>
+            </a:xfrm>
+            <a:prstGeom prst="rect">
+              <a:avLst/>
+            </a:prstGeom>
+            <a:ln>
+              <a:noFill/>
+            </a:ln>
+            <a:extLst>
+              <a:ext uri="{53640926-AAD7-44D8-BBD7-CCE9431645EC}">
+                <a14:shadowObscured xmlns:a14="http://schemas.microsoft.com/office/drawing/2010/main"/>
+              </a:ext>
+            </a:extLst>
+          </p:spPr>
+        </p:pic>
+        <p:pic>
+          <p:nvPicPr>
+            <p:cNvPr id="6" name="Picture 5">
+              <a:extLst>
+                <a:ext uri="{FF2B5EF4-FFF2-40B4-BE49-F238E27FC236}">
+                  <a16:creationId xmlns:a16="http://schemas.microsoft.com/office/drawing/2014/main" id="{DEC23D41-CD0E-26EC-84CE-908280549470}"/>
+                </a:ext>
+              </a:extLst>
+            </p:cNvPr>
+            <p:cNvPicPr>
+              <a:picLocks noChangeAspect="1"/>
+            </p:cNvPicPr>
+            <p:nvPr/>
+          </p:nvPicPr>
+          <p:blipFill rotWithShape="1">
+            <a:blip r:embed="rId2">
+              <a:extLst>
+                <a:ext uri="{28A0092B-C50C-407E-A947-70E740481C1C}">
+                  <a14:useLocalDpi xmlns:a14="http://schemas.microsoft.com/office/drawing/2010/main" val="0"/>
+                </a:ext>
+              </a:extLst>
+            </a:blip>
+            <a:srcRect l="82809" t="21887" b="55616"/>
+            <a:stretch/>
+          </p:blipFill>
+          <p:spPr bwMode="auto">
+            <a:xfrm>
+              <a:off x="9383486" y="3543302"/>
+              <a:ext cx="1794818" cy="1551214"/>
+            </a:xfrm>
+            <a:prstGeom prst="rect">
+              <a:avLst/>
+            </a:prstGeom>
+            <a:ln>
+              <a:noFill/>
+            </a:ln>
+            <a:extLst>
+              <a:ext uri="{53640926-AAD7-44D8-BBD7-CCE9431645EC}">
+                <a14:shadowObscured xmlns:a14="http://schemas.microsoft.com/office/drawing/2010/main"/>
+              </a:ext>
+            </a:extLst>
+          </p:spPr>
+        </p:pic>
+      </p:grpSp>
+    </p:spTree>
+    <p:extLst>
+      <p:ext uri="{BB962C8B-B14F-4D97-AF65-F5344CB8AC3E}">
+        <p14:creationId xmlns:p14="http://schemas.microsoft.com/office/powerpoint/2010/main" val="2428392999"/>
+      </p:ext>
+    </p:extLst>
+  </p:cSld>
+  <p:clrMapOvr>
+    <a:masterClrMapping/>
+  </p:clrMapOvr>
+</p:sld>
+</file>
+
 <file path=ppt/theme/theme1.xml><?xml version="1.0" encoding="utf-8"?>
 <a:theme xmlns:a="http://schemas.openxmlformats.org/drawingml/2006/main" name="Office Theme">
   <a:themeElements>
